--- a/15_Calculator.pptx
+++ b/15_Calculator.pptx
@@ -224,7 +224,7 @@
             <a:fld id="{6837EDA8-41C8-4B24-A206-13C08A65A6D7}" type="datetimeFigureOut">
               <a:rPr lang="zh-TW" altLang="en-US" smtClean="0"/>
               <a:pPr/>
-              <a:t>2020/8/7</a:t>
+              <a:t>2020/8/13</a:t>
             </a:fld>
             <a:endParaRPr lang="zh-TW" altLang="en-US"/>
           </a:p>
@@ -677,7 +677,7 @@
             <a:fld id="{8B85509C-BD4F-47BF-9B1E-FC2E949B3621}" type="datetime1">
               <a:rPr lang="zh-TW" altLang="en-US" smtClean="0"/>
               <a:pPr/>
-              <a:t>2020/8/7</a:t>
+              <a:t>2020/8/13</a:t>
             </a:fld>
             <a:endParaRPr lang="zh-TW" altLang="en-US"/>
           </a:p>
@@ -850,7 +850,7 @@
             <a:fld id="{42251B24-F787-4C15-8A0F-7AEC20C70069}" type="datetime1">
               <a:rPr lang="zh-TW" altLang="en-US" smtClean="0"/>
               <a:pPr/>
-              <a:t>2020/8/7</a:t>
+              <a:t>2020/8/13</a:t>
             </a:fld>
             <a:endParaRPr lang="zh-TW" altLang="en-US"/>
           </a:p>
@@ -1025,7 +1025,7 @@
             <a:fld id="{9CA0D33C-CE2B-45F1-B8D4-FFD1F131F331}" type="datetime1">
               <a:rPr lang="zh-TW" altLang="en-US" smtClean="0"/>
               <a:pPr/>
-              <a:t>2020/8/7</a:t>
+              <a:t>2020/8/13</a:t>
             </a:fld>
             <a:endParaRPr lang="zh-TW" altLang="en-US"/>
           </a:p>
@@ -1190,7 +1190,7 @@
             <a:fld id="{50B99440-D9EF-40CC-9B52-F6428D9B2C76}" type="datetime1">
               <a:rPr lang="zh-TW" altLang="en-US" smtClean="0"/>
               <a:pPr/>
-              <a:t>2020/8/7</a:t>
+              <a:t>2020/8/13</a:t>
             </a:fld>
             <a:endParaRPr lang="zh-TW" altLang="en-US"/>
           </a:p>
@@ -1432,7 +1432,7 @@
             <a:fld id="{0871BF52-5C6C-4959-8E27-CECB68D39FE4}" type="datetime1">
               <a:rPr lang="zh-TW" altLang="en-US" smtClean="0"/>
               <a:pPr/>
-              <a:t>2020/8/7</a:t>
+              <a:t>2020/8/13</a:t>
             </a:fld>
             <a:endParaRPr lang="zh-TW" altLang="en-US"/>
           </a:p>
@@ -1714,7 +1714,7 @@
             <a:fld id="{DF863F05-2DD9-4EB1-A827-12FD992DE9DC}" type="datetime1">
               <a:rPr lang="zh-TW" altLang="en-US" smtClean="0"/>
               <a:pPr/>
-              <a:t>2020/8/7</a:t>
+              <a:t>2020/8/13</a:t>
             </a:fld>
             <a:endParaRPr lang="zh-TW" altLang="en-US"/>
           </a:p>
@@ -2130,7 +2130,7 @@
             <a:fld id="{6339AF51-4491-4873-A096-75DB6CE47516}" type="datetime1">
               <a:rPr lang="zh-TW" altLang="en-US" smtClean="0"/>
               <a:pPr/>
-              <a:t>2020/8/7</a:t>
+              <a:t>2020/8/13</a:t>
             </a:fld>
             <a:endParaRPr lang="zh-TW" altLang="en-US"/>
           </a:p>
@@ -2244,7 +2244,7 @@
             <a:fld id="{EE4AD9C8-8B9E-40FF-ABE2-858AC2057BBB}" type="datetime1">
               <a:rPr lang="zh-TW" altLang="en-US" smtClean="0"/>
               <a:pPr/>
-              <a:t>2020/8/7</a:t>
+              <a:t>2020/8/13</a:t>
             </a:fld>
             <a:endParaRPr lang="zh-TW" altLang="en-US"/>
           </a:p>
@@ -2336,7 +2336,7 @@
             <a:fld id="{B4784999-BBBE-4BE4-A8D0-877E7D1D66CC}" type="datetime1">
               <a:rPr lang="zh-TW" altLang="en-US" smtClean="0"/>
               <a:pPr/>
-              <a:t>2020/8/7</a:t>
+              <a:t>2020/8/13</a:t>
             </a:fld>
             <a:endParaRPr lang="zh-TW" altLang="en-US"/>
           </a:p>
@@ -2608,7 +2608,7 @@
             <a:fld id="{E88D17E6-02BD-4944-B9FE-7BFCCBF83D48}" type="datetime1">
               <a:rPr lang="zh-TW" altLang="en-US" smtClean="0"/>
               <a:pPr/>
-              <a:t>2020/8/7</a:t>
+              <a:t>2020/8/13</a:t>
             </a:fld>
             <a:endParaRPr lang="zh-TW" altLang="en-US"/>
           </a:p>
@@ -2857,7 +2857,7 @@
             <a:fld id="{3C13E23D-1FEF-4D78-A3A3-3D6F2BB31954}" type="datetime1">
               <a:rPr lang="zh-TW" altLang="en-US" smtClean="0"/>
               <a:pPr/>
-              <a:t>2020/8/7</a:t>
+              <a:t>2020/8/13</a:t>
             </a:fld>
             <a:endParaRPr lang="zh-TW" altLang="en-US"/>
           </a:p>
@@ -3065,7 +3065,7 @@
             <a:fld id="{06197F35-AD6F-4594-8B50-334492D2E7E8}" type="datetime1">
               <a:rPr lang="zh-TW" altLang="en-US" smtClean="0"/>
               <a:pPr/>
-              <a:t>2020/8/7</a:t>
+              <a:t>2020/8/13</a:t>
             </a:fld>
             <a:endParaRPr lang="zh-TW" altLang="en-US"/>
           </a:p>
@@ -3526,7 +3526,7 @@
             <a:fld id="{C389EDC9-19E3-47AC-9C57-C6A24DEA81AD}" type="datetime1">
               <a:rPr lang="zh-TW" altLang="en-US" smtClean="0"/>
               <a:pPr/>
-              <a:t>2020/8/7</a:t>
+              <a:t>2020/8/13</a:t>
             </a:fld>
             <a:endParaRPr lang="zh-TW" altLang="en-US"/>
           </a:p>
@@ -3849,7 +3849,7 @@
             <a:fld id="{A4F910E6-8D00-4BAF-8C48-9688E0B449D3}" type="datetime1">
               <a:rPr lang="zh-TW" altLang="en-US" smtClean="0"/>
               <a:pPr/>
-              <a:t>2020/8/7</a:t>
+              <a:t>2020/8/13</a:t>
             </a:fld>
             <a:endParaRPr lang="zh-TW" altLang="en-US"/>
           </a:p>
@@ -4170,7 +4170,7 @@
             <a:fld id="{A4F910E6-8D00-4BAF-8C48-9688E0B449D3}" type="datetime1">
               <a:rPr lang="zh-TW" altLang="en-US" smtClean="0"/>
               <a:pPr/>
-              <a:t>2020/8/7</a:t>
+              <a:t>2020/8/13</a:t>
             </a:fld>
             <a:endParaRPr lang="zh-TW" altLang="en-US"/>
           </a:p>
@@ -4491,7 +4491,7 @@
             <a:fld id="{A4F910E6-8D00-4BAF-8C48-9688E0B449D3}" type="datetime1">
               <a:rPr lang="zh-TW" altLang="en-US" smtClean="0"/>
               <a:pPr/>
-              <a:t>2020/8/7</a:t>
+              <a:t>2020/8/13</a:t>
             </a:fld>
             <a:endParaRPr lang="zh-TW" altLang="en-US"/>
           </a:p>
@@ -4812,7 +4812,7 @@
             <a:fld id="{A4F910E6-8D00-4BAF-8C48-9688E0B449D3}" type="datetime1">
               <a:rPr lang="zh-TW" altLang="en-US" smtClean="0"/>
               <a:pPr/>
-              <a:t>2020/8/7</a:t>
+              <a:t>2020/8/13</a:t>
             </a:fld>
             <a:endParaRPr lang="zh-TW" altLang="en-US"/>
           </a:p>
@@ -4971,7 +4971,7 @@
             <a:fld id="{C389EDC9-19E3-47AC-9C57-C6A24DEA81AD}" type="datetime1">
               <a:rPr lang="zh-TW" altLang="en-US" smtClean="0"/>
               <a:pPr/>
-              <a:t>2020/8/7</a:t>
+              <a:t>2020/8/13</a:t>
             </a:fld>
             <a:endParaRPr lang="zh-TW" altLang="en-US"/>
           </a:p>
@@ -5282,7 +5282,7 @@
             <a:fld id="{A4F910E6-8D00-4BAF-8C48-9688E0B449D3}" type="datetime1">
               <a:rPr lang="zh-TW" altLang="en-US" smtClean="0"/>
               <a:pPr/>
-              <a:t>2020/8/7</a:t>
+              <a:t>2020/8/13</a:t>
             </a:fld>
             <a:endParaRPr lang="zh-TW" altLang="en-US"/>
           </a:p>
@@ -5429,7 +5429,7 @@
             <a:fld id="{4E46BE27-E923-4EC2-B046-3272AE2A3E5C}" type="datetime1">
               <a:rPr lang="zh-TW" altLang="en-US" smtClean="0"/>
               <a:pPr/>
-              <a:t>2020/8/7</a:t>
+              <a:t>2020/8/13</a:t>
             </a:fld>
             <a:endParaRPr lang="zh-TW" altLang="en-US"/>
           </a:p>
@@ -5671,7 +5671,7 @@
             <a:fld id="{A4F910E6-8D00-4BAF-8C48-9688E0B449D3}" type="datetime1">
               <a:rPr lang="zh-TW" altLang="en-US" smtClean="0"/>
               <a:pPr/>
-              <a:t>2020/8/7</a:t>
+              <a:t>2020/8/13</a:t>
             </a:fld>
             <a:endParaRPr lang="zh-TW" altLang="en-US"/>
           </a:p>
@@ -5795,7 +5795,7 @@
             <a:fld id="{C389EDC9-19E3-47AC-9C57-C6A24DEA81AD}" type="datetime1">
               <a:rPr lang="zh-TW" altLang="en-US" smtClean="0"/>
               <a:pPr/>
-              <a:t>2020/8/7</a:t>
+              <a:t>2020/8/13</a:t>
             </a:fld>
             <a:endParaRPr lang="zh-TW" altLang="en-US"/>
           </a:p>
@@ -6097,7 +6097,7 @@
             <a:fld id="{A4F910E6-8D00-4BAF-8C48-9688E0B449D3}" type="datetime1">
               <a:rPr lang="zh-TW" altLang="en-US" smtClean="0"/>
               <a:pPr/>
-              <a:t>2020/8/7</a:t>
+              <a:t>2020/8/13</a:t>
             </a:fld>
             <a:endParaRPr lang="zh-TW" altLang="en-US"/>
           </a:p>
@@ -6256,7 +6256,7 @@
             <a:fld id="{C389EDC9-19E3-47AC-9C57-C6A24DEA81AD}" type="datetime1">
               <a:rPr lang="zh-TW" altLang="en-US" smtClean="0"/>
               <a:pPr/>
-              <a:t>2020/8/7</a:t>
+              <a:t>2020/8/13</a:t>
             </a:fld>
             <a:endParaRPr lang="zh-TW" altLang="en-US"/>
           </a:p>
@@ -6600,7 +6600,7 @@
             <a:fld id="{A4F910E6-8D00-4BAF-8C48-9688E0B449D3}" type="datetime1">
               <a:rPr lang="zh-TW" altLang="en-US" smtClean="0"/>
               <a:pPr/>
-              <a:t>2020/8/7</a:t>
+              <a:t>2020/8/13</a:t>
             </a:fld>
             <a:endParaRPr lang="zh-TW" altLang="en-US"/>
           </a:p>
@@ -6794,7 +6794,7 @@
             <a:fld id="{C389EDC9-19E3-47AC-9C57-C6A24DEA81AD}" type="datetime1">
               <a:rPr lang="zh-TW" altLang="en-US" smtClean="0"/>
               <a:pPr/>
-              <a:t>2020/8/7</a:t>
+              <a:t>2020/8/13</a:t>
             </a:fld>
             <a:endParaRPr lang="zh-TW" altLang="en-US"/>
           </a:p>
@@ -6979,7 +6979,7 @@
         <p:spPr>
           <a:xfrm>
             <a:off x="467544" y="1268760"/>
-            <a:ext cx="8352928" cy="1042196"/>
+            <a:ext cx="4536504" cy="2664296"/>
           </a:xfrm>
           <a:ln>
             <a:solidFill>
@@ -7056,7 +7056,58 @@
                   <a:schemeClr val="tx1"/>
                 </a:solidFill>
               </a:rPr>
-              <a:t>This is how we pass information from HTML to PHP.</a:t>
+              <a:t>below is how we pass information from HTML to PHP.</a:t>
+            </a:r>
+          </a:p>
+          <a:p>
+            <a:pPr marL="465138" indent="-465138" algn="l">
+              <a:buClr>
+                <a:srgbClr val="0070C0"/>
+              </a:buClr>
+              <a:buFont typeface="Wingdings" pitchFamily="2" charset="2"/>
+              <a:buChar char="u"/>
+            </a:pPr>
+            <a:r>
+              <a:rPr lang="en-US" sz="1800" b="1" dirty="0">
+                <a:solidFill>
+                  <a:schemeClr val="tx1"/>
+                </a:solidFill>
+              </a:rPr>
+              <a:t>$result1 = $_GET[‘num1’];</a:t>
+            </a:r>
+          </a:p>
+          <a:p>
+            <a:pPr marL="465138" indent="-465138" algn="l">
+              <a:buClr>
+                <a:srgbClr val="0070C0"/>
+              </a:buClr>
+              <a:buFont typeface="Wingdings" pitchFamily="2" charset="2"/>
+              <a:buChar char="u"/>
+            </a:pPr>
+            <a:r>
+              <a:rPr lang="en-US" sz="1800" b="1" dirty="0">
+                <a:solidFill>
+                  <a:schemeClr val="tx1"/>
+                </a:solidFill>
+              </a:rPr>
+              <a:t>$result2 = $_GET[‘num2’];</a:t>
+            </a:r>
+          </a:p>
+          <a:p>
+            <a:pPr marL="465138" indent="-465138" algn="l">
+              <a:buClr>
+                <a:srgbClr val="0070C0"/>
+              </a:buClr>
+              <a:buFont typeface="Wingdings" pitchFamily="2" charset="2"/>
+              <a:buChar char="u"/>
+            </a:pPr>
+            <a:r>
+              <a:rPr lang="en-US" sz="1800" b="1" dirty="0">
+                <a:solidFill>
+                  <a:schemeClr val="tx1"/>
+                </a:solidFill>
+              </a:rPr>
+              <a:t>$operator = $_GET[‘operator’];</a:t>
             </a:r>
           </a:p>
         </p:txBody>
@@ -7138,7 +7189,7 @@
             <a:fld id="{A4F910E6-8D00-4BAF-8C48-9688E0B449D3}" type="datetime1">
               <a:rPr lang="zh-TW" altLang="en-US" smtClean="0"/>
               <a:pPr/>
-              <a:t>2020/8/7</a:t>
+              <a:t>2020/8/13</a:t>
             </a:fld>
             <a:endParaRPr lang="zh-TW" altLang="en-US"/>
           </a:p>
@@ -7175,10 +7226,10 @@
       </p:sp>
       <p:pic>
         <p:nvPicPr>
-          <p:cNvPr id="7" name="Picture 6">
+          <p:cNvPr id="8" name="Picture 7">
             <a:extLst>
               <a:ext uri="{FF2B5EF4-FFF2-40B4-BE49-F238E27FC236}">
-                <a16:creationId xmlns:a16="http://schemas.microsoft.com/office/drawing/2014/main" id="{AEF4E891-C790-479E-AD2E-07E1C2BE609F}"/>
+                <a16:creationId xmlns:a16="http://schemas.microsoft.com/office/drawing/2014/main" id="{4CF716B8-44ED-4B08-90A5-742E52B5F7EC}"/>
               </a:ext>
             </a:extLst>
           </p:cNvPr>
@@ -7195,8 +7246,8 @@
         </p:blipFill>
         <p:spPr>
           <a:xfrm>
-            <a:off x="1835696" y="2595496"/>
-            <a:ext cx="4305300" cy="2276475"/>
+            <a:off x="5292080" y="1217765"/>
+            <a:ext cx="3629381" cy="5503709"/>
           </a:xfrm>
           <a:prstGeom prst="rect">
             <a:avLst/>
@@ -7297,7 +7348,7 @@
             <a:fld id="{C389EDC9-19E3-47AC-9C57-C6A24DEA81AD}" type="datetime1">
               <a:rPr lang="zh-TW" altLang="en-US" smtClean="0"/>
               <a:pPr/>
-              <a:t>2020/8/7</a:t>
+              <a:t>2020/8/13</a:t>
             </a:fld>
             <a:endParaRPr lang="zh-TW" altLang="en-US"/>
           </a:p>
